--- a/LAB01_VHDL.pptx
+++ b/LAB01_VHDL.pptx
@@ -240,7 +240,7 @@
           <a:p>
             <a:fld id="{1486A768-F566-435D-8B31-4B575E1428CB}" type="datetimeFigureOut">
               <a:rPr lang="es-CL" smtClean="0"/>
-              <a:t>16-08-2023</a:t>
+              <a:t>14-08-2024</a:t>
             </a:fld>
             <a:endParaRPr lang="es-CL"/>
           </a:p>
@@ -417,7 +417,7 @@
           <a:p>
             <a:fld id="{591E7019-ED3E-4AD8-91B4-A6EE2FDB2B8D}" type="datetimeFigureOut">
               <a:rPr lang="es-CL" smtClean="0"/>
-              <a:t>16-08-2023</a:t>
+              <a:t>14-08-2024</a:t>
             </a:fld>
             <a:endParaRPr lang="es-CL"/>
           </a:p>
@@ -767,7 +767,7 @@
           <a:p>
             <a:fld id="{696D958D-8A38-446E-97A7-6E6D198934E4}" type="datetime1">
               <a:rPr lang="es-CL" smtClean="0"/>
-              <a:t>16-08-2023</a:t>
+              <a:t>14-08-2024</a:t>
             </a:fld>
             <a:endParaRPr lang="es-CL"/>
           </a:p>
@@ -1092,7 +1092,7 @@
           <a:p>
             <a:fld id="{29600E78-1800-4819-83AC-5CF302D83094}" type="datetime1">
               <a:rPr lang="es-CL" smtClean="0"/>
-              <a:t>16-08-2023</a:t>
+              <a:t>14-08-2024</a:t>
             </a:fld>
             <a:endParaRPr lang="es-CL"/>
           </a:p>
@@ -1292,7 +1292,7 @@
           <a:p>
             <a:fld id="{9C025484-0720-44CA-A0C2-6AB092CCAB00}" type="datetime1">
               <a:rPr lang="es-CL" smtClean="0"/>
-              <a:t>16-08-2023</a:t>
+              <a:t>14-08-2024</a:t>
             </a:fld>
             <a:endParaRPr lang="es-CL"/>
           </a:p>
@@ -1502,7 +1502,7 @@
           <a:p>
             <a:fld id="{E29A2190-65DA-483B-991E-448C0275F34D}" type="datetime1">
               <a:rPr lang="es-CL" smtClean="0"/>
-              <a:t>16-08-2023</a:t>
+              <a:t>14-08-2024</a:t>
             </a:fld>
             <a:endParaRPr lang="es-CL"/>
           </a:p>
@@ -1724,7 +1724,7 @@
           <a:p>
             <a:fld id="{63144FD1-67B1-410A-920C-80C1D74E6505}" type="datetime1">
               <a:rPr lang="es-CL" smtClean="0"/>
-              <a:t>16-08-2023</a:t>
+              <a:t>14-08-2024</a:t>
             </a:fld>
             <a:endParaRPr lang="es-CL"/>
           </a:p>
@@ -1929,7 +1929,7 @@
           <a:p>
             <a:fld id="{696D958D-8A38-446E-97A7-6E6D198934E4}" type="datetime1">
               <a:rPr lang="es-CL" smtClean="0"/>
-              <a:t>16-08-2023</a:t>
+              <a:t>14-08-2024</a:t>
             </a:fld>
             <a:endParaRPr lang="es-CL" dirty="0"/>
           </a:p>
@@ -2205,7 +2205,7 @@
           <a:p>
             <a:fld id="{60D195F7-977F-4FE5-9CAD-4F126ABB9781}" type="datetime1">
               <a:rPr lang="es-CL" smtClean="0"/>
-              <a:t>16-08-2023</a:t>
+              <a:t>14-08-2024</a:t>
             </a:fld>
             <a:endParaRPr lang="es-CL"/>
           </a:p>
@@ -2473,7 +2473,7 @@
           <a:p>
             <a:fld id="{1D323A49-8854-405E-8DB5-7E61550D45F4}" type="datetime1">
               <a:rPr lang="es-CL" smtClean="0"/>
-              <a:t>16-08-2023</a:t>
+              <a:t>14-08-2024</a:t>
             </a:fld>
             <a:endParaRPr lang="es-CL"/>
           </a:p>
@@ -2888,7 +2888,7 @@
           <a:p>
             <a:fld id="{3B147FEA-C555-459E-9323-B205CD18A859}" type="datetime1">
               <a:rPr lang="es-CL" smtClean="0"/>
-              <a:t>16-08-2023</a:t>
+              <a:t>14-08-2024</a:t>
             </a:fld>
             <a:endParaRPr lang="es-CL"/>
           </a:p>
@@ -3030,7 +3030,7 @@
           <a:p>
             <a:fld id="{06BFDA37-DC84-4029-8CE5-D878AD4CFCB4}" type="datetime1">
               <a:rPr lang="es-CL" smtClean="0"/>
-              <a:t>16-08-2023</a:t>
+              <a:t>14-08-2024</a:t>
             </a:fld>
             <a:endParaRPr lang="es-CL"/>
           </a:p>
@@ -3143,7 +3143,7 @@
           <a:p>
             <a:fld id="{734CBC66-B5F7-4601-B4E1-AB5411F36ACA}" type="datetime1">
               <a:rPr lang="es-CL" smtClean="0"/>
-              <a:t>16-08-2023</a:t>
+              <a:t>14-08-2024</a:t>
             </a:fld>
             <a:endParaRPr lang="es-CL"/>
           </a:p>
@@ -3456,7 +3456,7 @@
           <a:p>
             <a:fld id="{4FDD4AAB-4AFA-42B5-80D2-CE008FCFB671}" type="datetime1">
               <a:rPr lang="es-CL" smtClean="0"/>
-              <a:t>16-08-2023</a:t>
+              <a:t>14-08-2024</a:t>
             </a:fld>
             <a:endParaRPr lang="es-CL"/>
           </a:p>
@@ -3708,7 +3708,7 @@
           <a:p>
             <a:fld id="{696D958D-8A38-446E-97A7-6E6D198934E4}" type="datetime1">
               <a:rPr lang="es-CL" smtClean="0"/>
-              <a:t>16-08-2023</a:t>
+              <a:t>14-08-2024</a:t>
             </a:fld>
             <a:endParaRPr lang="es-CL"/>
           </a:p>
@@ -5053,6 +5053,10 @@
           </a:bodyPr>
           <a:lstStyle/>
           <a:p>
+            <a:pPr marL="342900" indent="-342900">
+              <a:buFont typeface="+mj-lt"/>
+              <a:buAutoNum type="arabicPeriod"/>
+            </a:pPr>
             <a:r>
               <a:rPr lang="es-CL" b="1" dirty="0"/>
               <a:t>Desarrolle un Código en VHDL que sea capaz de generar un </a:t>
@@ -5063,7 +5067,7 @@
             </a:r>
             <a:r>
               <a:rPr lang="es-CL" b="1" dirty="0"/>
-              <a:t> , utilizando el </a:t>
+              <a:t>, utilizando el </a:t>
             </a:r>
             <a:r>
               <a:rPr lang="es-CL" b="1" dirty="0" err="1"/>
@@ -5075,9 +5079,17 @@
             </a:r>
           </a:p>
           <a:p>
+            <a:pPr marL="342900" indent="-342900">
+              <a:buFont typeface="+mj-lt"/>
+              <a:buAutoNum type="arabicPeriod"/>
+            </a:pPr>
             <a:endParaRPr lang="es-CL" b="1" dirty="0"/>
           </a:p>
           <a:p>
+            <a:pPr marL="342900" indent="-342900">
+              <a:buFont typeface="+mj-lt"/>
+              <a:buAutoNum type="arabicPeriod"/>
+            </a:pPr>
             <a:r>
               <a:rPr lang="es-CL" b="1" dirty="0"/>
               <a:t>Utilice un </a:t>
@@ -5088,7 +5100,7 @@
             </a:r>
             <a:r>
               <a:rPr lang="es-CL" b="1" dirty="0"/>
-              <a:t> para obtener 4 salidas diferentes en el </a:t>
+              <a:t> de </a:t>
             </a:r>
             <a:r>
               <a:rPr lang="es-CL" b="1" dirty="0" err="1"/>
@@ -5096,13 +5108,38 @@
             </a:r>
             <a:r>
               <a:rPr lang="es-CL" b="1" dirty="0"/>
-              <a:t>. </a:t>
-            </a:r>
-          </a:p>
-          <a:p>
+              <a:t> para obtener 4 salidas de </a:t>
+            </a:r>
+            <a:r>
+              <a:rPr lang="es-CL" b="1" dirty="0" err="1"/>
+              <a:t>clock</a:t>
+            </a:r>
+            <a:r>
+              <a:rPr lang="es-CL" b="1" dirty="0"/>
+              <a:t> diferentes en un mismo </a:t>
+            </a:r>
+            <a:r>
+              <a:rPr lang="es-CL" b="1" dirty="0" err="1"/>
+              <a:t>entity</a:t>
+            </a:r>
+            <a:r>
+              <a:rPr lang="es-CL" b="1"/>
+              <a:t>.</a:t>
+            </a:r>
             <a:endParaRPr lang="es-CL" b="1" dirty="0"/>
           </a:p>
           <a:p>
+            <a:pPr marL="342900" indent="-342900">
+              <a:buFont typeface="+mj-lt"/>
+              <a:buAutoNum type="arabicPeriod"/>
+            </a:pPr>
+            <a:endParaRPr lang="es-CL" b="1" dirty="0"/>
+          </a:p>
+          <a:p>
+            <a:pPr marL="342900" indent="-342900">
+              <a:buFont typeface="+mj-lt"/>
+              <a:buAutoNum type="arabicPeriod"/>
+            </a:pPr>
             <a:r>
               <a:rPr lang="es-CL" b="1" dirty="0"/>
               <a:t>Conecte cada una de las salidas de su </a:t>
@@ -5113,21 +5150,29 @@
             </a:r>
             <a:r>
               <a:rPr lang="es-CL" b="1" dirty="0"/>
-              <a:t> a un LED de la ZYBO Z7. Cada led debe parpadear al doble de la frecuencia del LED aledaño, aumentando la frecuencia de izquierda a derecha. La menor frecuencia es de 1 Segunda. Es decir 500ms </a:t>
+              <a:t> a un LED de la ZYBO Z7. Cada led debe parpadear al doble de la frecuencia del LED aledaño, aumentando la frecuencia de izquierda a derecha. </a:t>
             </a:r>
             <a:r>
               <a:rPr lang="es-CL" b="1" dirty="0" err="1"/>
-              <a:t>on</a:t>
+              <a:t>Ud</a:t>
             </a:r>
             <a:r>
               <a:rPr lang="es-CL" b="1" dirty="0"/>
-              <a:t> y 500ms off.</a:t>
-            </a:r>
-          </a:p>
-          <a:p>
+              <a:t> escoge las frecuencias de parpadeo.</a:t>
+            </a:r>
+          </a:p>
+          <a:p>
+            <a:pPr marL="342900" indent="-342900">
+              <a:buFont typeface="+mj-lt"/>
+              <a:buAutoNum type="arabicPeriod"/>
+            </a:pPr>
             <a:endParaRPr lang="es-CL" b="1" dirty="0"/>
           </a:p>
           <a:p>
+            <a:pPr marL="342900" indent="-342900">
+              <a:buFont typeface="+mj-lt"/>
+              <a:buAutoNum type="arabicPeriod"/>
+            </a:pPr>
             <a:r>
               <a:rPr lang="es-CL" b="1" dirty="0"/>
               <a:t>Asocia cada uno de los 4 interruptores de la ZYBO para activar o desactivar cada una de los </a:t>
